--- a/media/LDP-archival-fonds/010exemple1.pptx
+++ b/media/LDP-archival-fonds/010exemple1.pptx
@@ -261,7 +261,7 @@
           <a:p>
             <a:fld id="{5D3C7075-ACE4-4AC5-A698-3E16F22F5AEA}" type="datetimeFigureOut">
               <a:rPr lang="fr-CH" smtClean="0"/>
-              <a:t>23.03.2022</a:t>
+              <a:t>08.02.2023</a:t>
             </a:fld>
             <a:endParaRPr lang="fr-CH"/>
           </a:p>
@@ -461,7 +461,7 @@
           <a:p>
             <a:fld id="{5D3C7075-ACE4-4AC5-A698-3E16F22F5AEA}" type="datetimeFigureOut">
               <a:rPr lang="fr-CH" smtClean="0"/>
-              <a:t>23.03.2022</a:t>
+              <a:t>08.02.2023</a:t>
             </a:fld>
             <a:endParaRPr lang="fr-CH"/>
           </a:p>
@@ -671,7 +671,7 @@
           <a:p>
             <a:fld id="{5D3C7075-ACE4-4AC5-A698-3E16F22F5AEA}" type="datetimeFigureOut">
               <a:rPr lang="fr-CH" smtClean="0"/>
-              <a:t>23.03.2022</a:t>
+              <a:t>08.02.2023</a:t>
             </a:fld>
             <a:endParaRPr lang="fr-CH"/>
           </a:p>
@@ -871,7 +871,7 @@
           <a:p>
             <a:fld id="{5D3C7075-ACE4-4AC5-A698-3E16F22F5AEA}" type="datetimeFigureOut">
               <a:rPr lang="fr-CH" smtClean="0"/>
-              <a:t>23.03.2022</a:t>
+              <a:t>08.02.2023</a:t>
             </a:fld>
             <a:endParaRPr lang="fr-CH"/>
           </a:p>
@@ -1147,7 +1147,7 @@
           <a:p>
             <a:fld id="{5D3C7075-ACE4-4AC5-A698-3E16F22F5AEA}" type="datetimeFigureOut">
               <a:rPr lang="fr-CH" smtClean="0"/>
-              <a:t>23.03.2022</a:t>
+              <a:t>08.02.2023</a:t>
             </a:fld>
             <a:endParaRPr lang="fr-CH"/>
           </a:p>
@@ -1415,7 +1415,7 @@
           <a:p>
             <a:fld id="{5D3C7075-ACE4-4AC5-A698-3E16F22F5AEA}" type="datetimeFigureOut">
               <a:rPr lang="fr-CH" smtClean="0"/>
-              <a:t>23.03.2022</a:t>
+              <a:t>08.02.2023</a:t>
             </a:fld>
             <a:endParaRPr lang="fr-CH"/>
           </a:p>
@@ -1830,7 +1830,7 @@
           <a:p>
             <a:fld id="{5D3C7075-ACE4-4AC5-A698-3E16F22F5AEA}" type="datetimeFigureOut">
               <a:rPr lang="fr-CH" smtClean="0"/>
-              <a:t>23.03.2022</a:t>
+              <a:t>08.02.2023</a:t>
             </a:fld>
             <a:endParaRPr lang="fr-CH"/>
           </a:p>
@@ -1972,7 +1972,7 @@
           <a:p>
             <a:fld id="{5D3C7075-ACE4-4AC5-A698-3E16F22F5AEA}" type="datetimeFigureOut">
               <a:rPr lang="fr-CH" smtClean="0"/>
-              <a:t>23.03.2022</a:t>
+              <a:t>08.02.2023</a:t>
             </a:fld>
             <a:endParaRPr lang="fr-CH"/>
           </a:p>
@@ -2085,7 +2085,7 @@
           <a:p>
             <a:fld id="{5D3C7075-ACE4-4AC5-A698-3E16F22F5AEA}" type="datetimeFigureOut">
               <a:rPr lang="fr-CH" smtClean="0"/>
-              <a:t>23.03.2022</a:t>
+              <a:t>08.02.2023</a:t>
             </a:fld>
             <a:endParaRPr lang="fr-CH"/>
           </a:p>
@@ -2398,7 +2398,7 @@
           <a:p>
             <a:fld id="{5D3C7075-ACE4-4AC5-A698-3E16F22F5AEA}" type="datetimeFigureOut">
               <a:rPr lang="fr-CH" smtClean="0"/>
-              <a:t>23.03.2022</a:t>
+              <a:t>08.02.2023</a:t>
             </a:fld>
             <a:endParaRPr lang="fr-CH"/>
           </a:p>
@@ -2687,7 +2687,7 @@
           <a:p>
             <a:fld id="{5D3C7075-ACE4-4AC5-A698-3E16F22F5AEA}" type="datetimeFigureOut">
               <a:rPr lang="fr-CH" smtClean="0"/>
-              <a:t>23.03.2022</a:t>
+              <a:t>08.02.2023</a:t>
             </a:fld>
             <a:endParaRPr lang="fr-CH"/>
           </a:p>
@@ -2930,7 +2930,7 @@
           <a:p>
             <a:fld id="{5D3C7075-ACE4-4AC5-A698-3E16F22F5AEA}" type="datetimeFigureOut">
               <a:rPr lang="fr-CH" smtClean="0"/>
-              <a:t>23.03.2022</a:t>
+              <a:t>08.02.2023</a:t>
             </a:fld>
             <a:endParaRPr lang="fr-CH"/>
           </a:p>
@@ -3439,12 +3439,20 @@
           <a:lstStyle/>
           <a:p>
             <a:r>
+              <a:rPr lang="fr-CH" sz="1400" err="1">
+                <a:solidFill>
+                  <a:schemeClr val="tx1"/>
+                </a:solidFill>
+              </a:rPr>
+              <a:t>vd:journaux-communaux</a:t>
+            </a:r>
+            <a:r>
               <a:rPr lang="fr-CH" sz="1400">
                 <a:solidFill>
                   <a:schemeClr val="tx1"/>
                 </a:solidFill>
               </a:rPr>
-              <a:t>vd:journaux-communaux   </a:t>
+              <a:t>   </a:t>
             </a:r>
           </a:p>
           <a:p>
@@ -3454,27 +3462,39 @@
                   <a:schemeClr val="tx1"/>
                 </a:solidFill>
               </a:rPr>
-              <a:t>          rdf:type [ ldp:Container;</a:t>
-            </a:r>
-          </a:p>
-          <a:p>
+              <a:t>          </a:t>
+            </a:r>
+            <a:r>
+              <a:rPr lang="fr-CH" sz="1400" err="1">
+                <a:solidFill>
+                  <a:schemeClr val="tx1"/>
+                </a:solidFill>
+              </a:rPr>
+              <a:t>rdf:type</a:t>
+            </a:r>
             <a:r>
               <a:rPr lang="fr-CH" sz="1400">
                 <a:solidFill>
                   <a:schemeClr val="tx1"/>
                 </a:solidFill>
               </a:rPr>
-              <a:t>	     rico:fonds ] ;</a:t>
-            </a:r>
-          </a:p>
-          <a:p>
+              <a:t> [ </a:t>
+            </a:r>
+            <a:r>
+              <a:rPr lang="fr-CH" sz="1400" err="1">
+                <a:solidFill>
+                  <a:schemeClr val="tx1"/>
+                </a:solidFill>
+              </a:rPr>
+              <a:t>ldp:Container</a:t>
+            </a:r>
             <a:r>
               <a:rPr lang="fr-CH" sz="1400">
                 <a:solidFill>
                   <a:schemeClr val="tx1"/>
                 </a:solidFill>
               </a:rPr>
-              <a:t>           rico:harOrHadTitle ‘’Journaux communaux‘’;</a:t>
+              <a:t>;</a:t>
             </a:r>
           </a:p>
           <a:p>
@@ -3484,7 +3504,75 @@
                   <a:schemeClr val="tx1"/>
                 </a:solidFill>
               </a:rPr>
-              <a:t>           rico:hasBeginingDate ‘’1974‘’.</a:t>
+              <a:t>	     </a:t>
+            </a:r>
+            <a:r>
+              <a:rPr lang="fr-CH" sz="1400" err="1">
+                <a:solidFill>
+                  <a:schemeClr val="tx1"/>
+                </a:solidFill>
+              </a:rPr>
+              <a:t>type:Fonds</a:t>
+            </a:r>
+            <a:r>
+              <a:rPr lang="fr-CH" sz="1400">
+                <a:solidFill>
+                  <a:schemeClr val="tx1"/>
+                </a:solidFill>
+              </a:rPr>
+              <a:t> ] ;</a:t>
+            </a:r>
+          </a:p>
+          <a:p>
+            <a:r>
+              <a:rPr lang="fr-CH" sz="1400">
+                <a:solidFill>
+                  <a:schemeClr val="tx1"/>
+                </a:solidFill>
+              </a:rPr>
+              <a:t>           </a:t>
+            </a:r>
+            <a:r>
+              <a:rPr lang="fr-CH" sz="1400" err="1">
+                <a:solidFill>
+                  <a:schemeClr val="tx1"/>
+                </a:solidFill>
+              </a:rPr>
+              <a:t>rico:harOrHadTitle</a:t>
+            </a:r>
+            <a:r>
+              <a:rPr lang="fr-CH" sz="1400">
+                <a:solidFill>
+                  <a:schemeClr val="tx1"/>
+                </a:solidFill>
+              </a:rPr>
+              <a:t> ‘’Journaux communaux‘’;</a:t>
+            </a:r>
+          </a:p>
+          <a:p>
+            <a:r>
+              <a:rPr lang="fr-CH" sz="1400">
+                <a:solidFill>
+                  <a:schemeClr val="tx1"/>
+                </a:solidFill>
+              </a:rPr>
+              <a:t>           </a:t>
+            </a:r>
+            <a:r>
+              <a:rPr lang="fr-CH" sz="1400" err="1">
+                <a:solidFill>
+                  <a:schemeClr val="tx1"/>
+                </a:solidFill>
+              </a:rPr>
+              <a:t>rico:hasBeginingDate</a:t>
+            </a:r>
+            <a:r>
+              <a:rPr lang="fr-CH" sz="1400">
+                <a:solidFill>
+                  <a:schemeClr val="tx1"/>
+                </a:solidFill>
+              </a:rPr>
+              <a:t> ‘’1974‘’.</a:t>
             </a:r>
           </a:p>
         </p:txBody>
@@ -3504,7 +3592,7 @@
         <p:spPr>
           <a:xfrm>
             <a:off x="5971312" y="422267"/>
-            <a:ext cx="5944897" cy="3477875"/>
+            <a:ext cx="5944897" cy="3754874"/>
           </a:xfrm>
           <a:prstGeom prst="rect">
             <a:avLst/>
@@ -3544,31 +3632,64 @@
           </a:p>
           <a:p>
             <a:r>
+              <a:rPr lang="fr-CH" b="1" i="1" err="1"/>
+              <a:t>Namespaces</a:t>
+            </a:r>
+            <a:r>
               <a:rPr lang="fr-CH" b="1" i="1"/>
-              <a:t>Namespaces/Prefixes</a:t>
-            </a:r>
-          </a:p>
-          <a:p>
+              <a:t>/</a:t>
+            </a:r>
+            <a:r>
+              <a:rPr lang="fr-CH" b="1" i="1" err="1"/>
+              <a:t>Prefixes</a:t>
+            </a:r>
+            <a:endParaRPr lang="fr-CH" b="1" i="1"/>
+          </a:p>
+          <a:p>
+            <a:r>
+              <a:rPr lang="fr-CH" err="1"/>
+              <a:t>vd</a:t>
+            </a:r>
             <a:r>
               <a:rPr lang="fr-CH"/>
-              <a:t>vd:    </a:t>
+              <a:t>:    </a:t>
             </a:r>
             <a:r>
               <a:rPr lang="fr-CH" sz="1800">
-                <a:hlinkClick r:id="rId2"/>
+                <a:hlinkClick r:id="rId3"/>
               </a:rPr>
               <a:t>https://vaud.archivescommunales.ch/</a:t>
             </a:r>
-            <a:endParaRPr lang="fr-CH"/>
+            <a:endParaRPr lang="fr-CH" sz="1800"/>
           </a:p>
           <a:p>
             <a:r>
               <a:rPr lang="fr-CH"/>
-              <a:t>ldp:   </a:t>
+              <a:t>type: </a:t>
             </a:r>
             <a:r>
               <a:rPr lang="fr-CH">
-                <a:hlinkClick r:id="rId3"/>
+                <a:hlinkClick r:id="rId4"/>
+              </a:rPr>
+              <a:t>https://vaud.archivescommunales.ch/type/</a:t>
+            </a:r>
+            <a:r>
+              <a:rPr lang="fr-CH"/>
+              <a:t> </a:t>
+            </a:r>
+          </a:p>
+          <a:p>
+            <a:r>
+              <a:rPr lang="fr-CH" err="1"/>
+              <a:t>ldp</a:t>
+            </a:r>
+            <a:r>
+              <a:rPr lang="fr-CH"/>
+              <a:t>:   </a:t>
+            </a:r>
+            <a:r>
+              <a:rPr lang="fr-CH">
+                <a:hlinkClick r:id="rId5"/>
               </a:rPr>
               <a:t>https://www.w3.org/ns/ldp/</a:t>
             </a:r>
@@ -3579,12 +3700,16 @@
           </a:p>
           <a:p>
             <a:r>
+              <a:rPr lang="fr-CH" err="1"/>
+              <a:t>rico</a:t>
+            </a:r>
+            <a:r>
               <a:rPr lang="fr-CH"/>
-              <a:t>rico:  </a:t>
+              <a:t>:  </a:t>
             </a:r>
             <a:r>
               <a:rPr lang="fr-CH">
-                <a:hlinkClick r:id="rId4"/>
+                <a:hlinkClick r:id="rId6"/>
               </a:rPr>
               <a:t>https://www.ica.org/standards/RiC/ontology.html#</a:t>
             </a:r>
@@ -3611,7 +3736,15 @@
           <a:p>
             <a:r>
               <a:rPr lang="fr-CH"/>
-              <a:t>formellement valide (notamment concernant l’usage de RiC).</a:t>
+              <a:t>formellement valide (notamment concernant l’usage de </a:t>
+            </a:r>
+            <a:r>
+              <a:rPr lang="fr-CH" err="1"/>
+              <a:t>RiC</a:t>
+            </a:r>
+            <a:r>
+              <a:rPr lang="fr-CH"/>
+              <a:t>).</a:t>
             </a:r>
           </a:p>
         </p:txBody>
@@ -3662,12 +3795,20 @@
           <a:lstStyle/>
           <a:p>
             <a:r>
+              <a:rPr lang="fr-CH" sz="1400" err="1">
+                <a:solidFill>
+                  <a:schemeClr val="tx1"/>
+                </a:solidFill>
+              </a:rPr>
+              <a:t>vd:journal-communal</a:t>
+            </a:r>
+            <a:r>
               <a:rPr lang="fr-CH" sz="1400">
                 <a:solidFill>
                   <a:schemeClr val="tx1"/>
                 </a:solidFill>
               </a:rPr>
-              <a:t>vd:journal-communal    </a:t>
+              <a:t>    </a:t>
             </a:r>
           </a:p>
           <a:p>
@@ -3677,27 +3818,39 @@
                   <a:schemeClr val="tx1"/>
                 </a:solidFill>
               </a:rPr>
-              <a:t>       rdf:type [  ldp:Container;</a:t>
-            </a:r>
-          </a:p>
-          <a:p>
+              <a:t>       </a:t>
+            </a:r>
+            <a:r>
+              <a:rPr lang="fr-CH" sz="1400" err="1">
+                <a:solidFill>
+                  <a:schemeClr val="tx1"/>
+                </a:solidFill>
+              </a:rPr>
+              <a:t>rdf:type</a:t>
+            </a:r>
             <a:r>
               <a:rPr lang="fr-CH" sz="1400">
                 <a:solidFill>
                   <a:schemeClr val="tx1"/>
                 </a:solidFill>
               </a:rPr>
-              <a:t>	   rico:subfonds ] ;</a:t>
-            </a:r>
-          </a:p>
-          <a:p>
+              <a:t> [  </a:t>
+            </a:r>
+            <a:r>
+              <a:rPr lang="fr-CH" sz="1400" err="1">
+                <a:solidFill>
+                  <a:schemeClr val="tx1"/>
+                </a:solidFill>
+              </a:rPr>
+              <a:t>ldp:Container</a:t>
+            </a:r>
             <a:r>
               <a:rPr lang="fr-CH" sz="1400">
                 <a:solidFill>
                   <a:schemeClr val="tx1"/>
                 </a:solidFill>
               </a:rPr>
-              <a:t>            rico:harOrHadTitle ‘’Au 4 coins du Mont‘’;</a:t>
+              <a:t>;</a:t>
             </a:r>
           </a:p>
           <a:p>
@@ -3707,7 +3860,91 @@
                   <a:schemeClr val="tx1"/>
                 </a:solidFill>
               </a:rPr>
-              <a:t>            rico: hasBeginingDate ‘’1974‘’.</a:t>
+              <a:t>	   </a:t>
+            </a:r>
+            <a:r>
+              <a:rPr lang="fr-CH" sz="1400" err="1">
+                <a:solidFill>
+                  <a:schemeClr val="tx1"/>
+                </a:solidFill>
+              </a:rPr>
+              <a:t>Type:SubFonds</a:t>
+            </a:r>
+            <a:r>
+              <a:rPr lang="fr-CH" sz="1400">
+                <a:solidFill>
+                  <a:schemeClr val="tx1"/>
+                </a:solidFill>
+              </a:rPr>
+              <a:t> ] ;</a:t>
+            </a:r>
+          </a:p>
+          <a:p>
+            <a:r>
+              <a:rPr lang="fr-CH" sz="1400">
+                <a:solidFill>
+                  <a:schemeClr val="tx1"/>
+                </a:solidFill>
+              </a:rPr>
+              <a:t>            </a:t>
+            </a:r>
+            <a:r>
+              <a:rPr lang="fr-CH" sz="1400" err="1">
+                <a:solidFill>
+                  <a:schemeClr val="tx1"/>
+                </a:solidFill>
+              </a:rPr>
+              <a:t>rico:harOrHadTitle</a:t>
+            </a:r>
+            <a:r>
+              <a:rPr lang="fr-CH" sz="1400">
+                <a:solidFill>
+                  <a:schemeClr val="tx1"/>
+                </a:solidFill>
+              </a:rPr>
+              <a:t> ‘’Au 4 coins du Mont‘’;</a:t>
+            </a:r>
+          </a:p>
+          <a:p>
+            <a:r>
+              <a:rPr lang="fr-CH" sz="1400">
+                <a:solidFill>
+                  <a:schemeClr val="tx1"/>
+                </a:solidFill>
+              </a:rPr>
+              <a:t>            </a:t>
+            </a:r>
+            <a:r>
+              <a:rPr lang="fr-CH" sz="1400" err="1">
+                <a:solidFill>
+                  <a:schemeClr val="tx1"/>
+                </a:solidFill>
+              </a:rPr>
+              <a:t>rico</a:t>
+            </a:r>
+            <a:r>
+              <a:rPr lang="fr-CH" sz="1400">
+                <a:solidFill>
+                  <a:schemeClr val="tx1"/>
+                </a:solidFill>
+              </a:rPr>
+              <a:t>: </a:t>
+            </a:r>
+            <a:r>
+              <a:rPr lang="fr-CH" sz="1400" err="1">
+                <a:solidFill>
+                  <a:schemeClr val="tx1"/>
+                </a:solidFill>
+              </a:rPr>
+              <a:t>hasBeginingDate</a:t>
+            </a:r>
+            <a:r>
+              <a:rPr lang="fr-CH" sz="1400">
+                <a:solidFill>
+                  <a:schemeClr val="tx1"/>
+                </a:solidFill>
+              </a:rPr>
+              <a:t> ‘’1974‘’.</a:t>
             </a:r>
           </a:p>
         </p:txBody>
@@ -3852,27 +4089,39 @@
                   <a:schemeClr val="tx1"/>
                 </a:solidFill>
               </a:rPr>
-              <a:t>            rdf:type [ ldp:Container ;</a:t>
-            </a:r>
-          </a:p>
-          <a:p>
+              <a:t>            </a:t>
+            </a:r>
+            <a:r>
+              <a:rPr lang="fr-CH" sz="1400" err="1">
+                <a:solidFill>
+                  <a:schemeClr val="tx1"/>
+                </a:solidFill>
+              </a:rPr>
+              <a:t>rdf:type</a:t>
+            </a:r>
             <a:r>
               <a:rPr lang="fr-CH" sz="1400">
                 <a:solidFill>
                   <a:schemeClr val="tx1"/>
                 </a:solidFill>
               </a:rPr>
-              <a:t>	       rico:dossier ] ;</a:t>
-            </a:r>
-          </a:p>
-          <a:p>
+              <a:t> [ </a:t>
+            </a:r>
+            <a:r>
+              <a:rPr lang="fr-CH" sz="1400" err="1">
+                <a:solidFill>
+                  <a:schemeClr val="tx1"/>
+                </a:solidFill>
+              </a:rPr>
+              <a:t>ldp:Container</a:t>
+            </a:r>
             <a:r>
               <a:rPr lang="fr-CH" sz="1400">
                 <a:solidFill>
                   <a:schemeClr val="tx1"/>
                 </a:solidFill>
               </a:rPr>
-              <a:t>            rico:harOrHadTitle ‘’Année 1998‘’ ;</a:t>
+              <a:t> ;</a:t>
             </a:r>
           </a:p>
           <a:p>
@@ -3882,7 +4131,91 @@
                   <a:schemeClr val="tx1"/>
                 </a:solidFill>
               </a:rPr>
-              <a:t>            rico: hasBeginingDate ‘’1998‘’.</a:t>
+              <a:t>	       </a:t>
+            </a:r>
+            <a:r>
+              <a:rPr lang="fr-CH" sz="1400" err="1">
+                <a:solidFill>
+                  <a:schemeClr val="tx1"/>
+                </a:solidFill>
+              </a:rPr>
+              <a:t>type:Dossier</a:t>
+            </a:r>
+            <a:r>
+              <a:rPr lang="fr-CH" sz="1400">
+                <a:solidFill>
+                  <a:schemeClr val="tx1"/>
+                </a:solidFill>
+              </a:rPr>
+              <a:t> ] ;</a:t>
+            </a:r>
+          </a:p>
+          <a:p>
+            <a:r>
+              <a:rPr lang="fr-CH" sz="1400">
+                <a:solidFill>
+                  <a:schemeClr val="tx1"/>
+                </a:solidFill>
+              </a:rPr>
+              <a:t>            </a:t>
+            </a:r>
+            <a:r>
+              <a:rPr lang="fr-CH" sz="1400" err="1">
+                <a:solidFill>
+                  <a:schemeClr val="tx1"/>
+                </a:solidFill>
+              </a:rPr>
+              <a:t>rico:harOrHadTitle</a:t>
+            </a:r>
+            <a:r>
+              <a:rPr lang="fr-CH" sz="1400">
+                <a:solidFill>
+                  <a:schemeClr val="tx1"/>
+                </a:solidFill>
+              </a:rPr>
+              <a:t> ‘’Année 1998‘’ ;</a:t>
+            </a:r>
+          </a:p>
+          <a:p>
+            <a:r>
+              <a:rPr lang="fr-CH" sz="1400">
+                <a:solidFill>
+                  <a:schemeClr val="tx1"/>
+                </a:solidFill>
+              </a:rPr>
+              <a:t>            </a:t>
+            </a:r>
+            <a:r>
+              <a:rPr lang="fr-CH" sz="1400" err="1">
+                <a:solidFill>
+                  <a:schemeClr val="tx1"/>
+                </a:solidFill>
+              </a:rPr>
+              <a:t>rico</a:t>
+            </a:r>
+            <a:r>
+              <a:rPr lang="fr-CH" sz="1400">
+                <a:solidFill>
+                  <a:schemeClr val="tx1"/>
+                </a:solidFill>
+              </a:rPr>
+              <a:t>: </a:t>
+            </a:r>
+            <a:r>
+              <a:rPr lang="fr-CH" sz="1400" err="1">
+                <a:solidFill>
+                  <a:schemeClr val="tx1"/>
+                </a:solidFill>
+              </a:rPr>
+              <a:t>hasBeginingDate</a:t>
+            </a:r>
+            <a:r>
+              <a:rPr lang="fr-CH" sz="1400">
+                <a:solidFill>
+                  <a:schemeClr val="tx1"/>
+                </a:solidFill>
+              </a:rPr>
+              <a:t> ‘’1998‘’.</a:t>
             </a:r>
           </a:p>
         </p:txBody>
@@ -4027,27 +4360,39 @@
                   <a:schemeClr val="tx1"/>
                 </a:solidFill>
               </a:rPr>
-              <a:t>             rdf:type [ ldp:Container ;</a:t>
-            </a:r>
-          </a:p>
-          <a:p>
+              <a:t>             </a:t>
+            </a:r>
+            <a:r>
+              <a:rPr lang="fr-CH" sz="1400" err="1">
+                <a:solidFill>
+                  <a:schemeClr val="tx1"/>
+                </a:solidFill>
+              </a:rPr>
+              <a:t>rdf:type</a:t>
+            </a:r>
             <a:r>
               <a:rPr lang="fr-CH" sz="1400">
                 <a:solidFill>
                   <a:schemeClr val="tx1"/>
                 </a:solidFill>
               </a:rPr>
-              <a:t>	        rico:piece ] ;</a:t>
-            </a:r>
-          </a:p>
-          <a:p>
+              <a:t> [ </a:t>
+            </a:r>
+            <a:r>
+              <a:rPr lang="fr-CH" sz="1400" err="1">
+                <a:solidFill>
+                  <a:schemeClr val="tx1"/>
+                </a:solidFill>
+              </a:rPr>
+              <a:t>ldp:Container</a:t>
+            </a:r>
             <a:r>
               <a:rPr lang="fr-CH" sz="1400">
                 <a:solidFill>
                   <a:schemeClr val="tx1"/>
                 </a:solidFill>
               </a:rPr>
-              <a:t>             rico:harOrHadTitle ‘’Journal 1998-72‘’ ;</a:t>
+              <a:t> ;</a:t>
             </a:r>
           </a:p>
           <a:p>
@@ -4057,7 +4402,91 @@
                   <a:schemeClr val="tx1"/>
                 </a:solidFill>
               </a:rPr>
-              <a:t>             rico: hasBeginingDate ‘’1998-04-01‘’.</a:t>
+              <a:t>	        </a:t>
+            </a:r>
+            <a:r>
+              <a:rPr lang="fr-CH" sz="1400" err="1">
+                <a:solidFill>
+                  <a:schemeClr val="tx1"/>
+                </a:solidFill>
+              </a:rPr>
+              <a:t>type:Piece</a:t>
+            </a:r>
+            <a:r>
+              <a:rPr lang="fr-CH" sz="1400">
+                <a:solidFill>
+                  <a:schemeClr val="tx1"/>
+                </a:solidFill>
+              </a:rPr>
+              <a:t> ] ;</a:t>
+            </a:r>
+          </a:p>
+          <a:p>
+            <a:r>
+              <a:rPr lang="fr-CH" sz="1400">
+                <a:solidFill>
+                  <a:schemeClr val="tx1"/>
+                </a:solidFill>
+              </a:rPr>
+              <a:t>             </a:t>
+            </a:r>
+            <a:r>
+              <a:rPr lang="fr-CH" sz="1400" err="1">
+                <a:solidFill>
+                  <a:schemeClr val="tx1"/>
+                </a:solidFill>
+              </a:rPr>
+              <a:t>rico:harOrHadTitle</a:t>
+            </a:r>
+            <a:r>
+              <a:rPr lang="fr-CH" sz="1400">
+                <a:solidFill>
+                  <a:schemeClr val="tx1"/>
+                </a:solidFill>
+              </a:rPr>
+              <a:t> ‘’Journal 1998-72‘’ ;</a:t>
+            </a:r>
+          </a:p>
+          <a:p>
+            <a:r>
+              <a:rPr lang="fr-CH" sz="1400">
+                <a:solidFill>
+                  <a:schemeClr val="tx1"/>
+                </a:solidFill>
+              </a:rPr>
+              <a:t>             </a:t>
+            </a:r>
+            <a:r>
+              <a:rPr lang="fr-CH" sz="1400" err="1">
+                <a:solidFill>
+                  <a:schemeClr val="tx1"/>
+                </a:solidFill>
+              </a:rPr>
+              <a:t>rico</a:t>
+            </a:r>
+            <a:r>
+              <a:rPr lang="fr-CH" sz="1400">
+                <a:solidFill>
+                  <a:schemeClr val="tx1"/>
+                </a:solidFill>
+              </a:rPr>
+              <a:t>: </a:t>
+            </a:r>
+            <a:r>
+              <a:rPr lang="fr-CH" sz="1400" err="1">
+                <a:solidFill>
+                  <a:schemeClr val="tx1"/>
+                </a:solidFill>
+              </a:rPr>
+              <a:t>hasBeginingDate</a:t>
+            </a:r>
+            <a:r>
+              <a:rPr lang="fr-CH" sz="1400">
+                <a:solidFill>
+                  <a:schemeClr val="tx1"/>
+                </a:solidFill>
+              </a:rPr>
+              <a:t> ‘’1998-04-01‘’.</a:t>
             </a:r>
           </a:p>
         </p:txBody>
@@ -4156,7 +4585,7 @@
           <p:nvPr/>
         </p:nvPicPr>
         <p:blipFill>
-          <a:blip r:embed="rId5">
+          <a:blip r:embed="rId7">
             <a:extLst>
               <a:ext uri="{28A0092B-C50C-407E-A947-70E740481C1C}">
                 <a14:useLocalDpi xmlns:a14="http://schemas.microsoft.com/office/drawing/2010/main" val="0"/>

--- a/media/LDP-archival-fonds/010exemple1.pptx
+++ b/media/LDP-archival-fonds/010exemple1.pptx
@@ -261,7 +261,7 @@
           <a:p>
             <a:fld id="{5D3C7075-ACE4-4AC5-A698-3E16F22F5AEA}" type="datetimeFigureOut">
               <a:rPr lang="fr-CH" smtClean="0"/>
-              <a:t>08.02.2023</a:t>
+              <a:t>18.04.2023</a:t>
             </a:fld>
             <a:endParaRPr lang="fr-CH"/>
           </a:p>
@@ -461,7 +461,7 @@
           <a:p>
             <a:fld id="{5D3C7075-ACE4-4AC5-A698-3E16F22F5AEA}" type="datetimeFigureOut">
               <a:rPr lang="fr-CH" smtClean="0"/>
-              <a:t>08.02.2023</a:t>
+              <a:t>18.04.2023</a:t>
             </a:fld>
             <a:endParaRPr lang="fr-CH"/>
           </a:p>
@@ -671,7 +671,7 @@
           <a:p>
             <a:fld id="{5D3C7075-ACE4-4AC5-A698-3E16F22F5AEA}" type="datetimeFigureOut">
               <a:rPr lang="fr-CH" smtClean="0"/>
-              <a:t>08.02.2023</a:t>
+              <a:t>18.04.2023</a:t>
             </a:fld>
             <a:endParaRPr lang="fr-CH"/>
           </a:p>
@@ -871,7 +871,7 @@
           <a:p>
             <a:fld id="{5D3C7075-ACE4-4AC5-A698-3E16F22F5AEA}" type="datetimeFigureOut">
               <a:rPr lang="fr-CH" smtClean="0"/>
-              <a:t>08.02.2023</a:t>
+              <a:t>18.04.2023</a:t>
             </a:fld>
             <a:endParaRPr lang="fr-CH"/>
           </a:p>
@@ -1147,7 +1147,7 @@
           <a:p>
             <a:fld id="{5D3C7075-ACE4-4AC5-A698-3E16F22F5AEA}" type="datetimeFigureOut">
               <a:rPr lang="fr-CH" smtClean="0"/>
-              <a:t>08.02.2023</a:t>
+              <a:t>18.04.2023</a:t>
             </a:fld>
             <a:endParaRPr lang="fr-CH"/>
           </a:p>
@@ -1415,7 +1415,7 @@
           <a:p>
             <a:fld id="{5D3C7075-ACE4-4AC5-A698-3E16F22F5AEA}" type="datetimeFigureOut">
               <a:rPr lang="fr-CH" smtClean="0"/>
-              <a:t>08.02.2023</a:t>
+              <a:t>18.04.2023</a:t>
             </a:fld>
             <a:endParaRPr lang="fr-CH"/>
           </a:p>
@@ -1830,7 +1830,7 @@
           <a:p>
             <a:fld id="{5D3C7075-ACE4-4AC5-A698-3E16F22F5AEA}" type="datetimeFigureOut">
               <a:rPr lang="fr-CH" smtClean="0"/>
-              <a:t>08.02.2023</a:t>
+              <a:t>18.04.2023</a:t>
             </a:fld>
             <a:endParaRPr lang="fr-CH"/>
           </a:p>
@@ -1972,7 +1972,7 @@
           <a:p>
             <a:fld id="{5D3C7075-ACE4-4AC5-A698-3E16F22F5AEA}" type="datetimeFigureOut">
               <a:rPr lang="fr-CH" smtClean="0"/>
-              <a:t>08.02.2023</a:t>
+              <a:t>18.04.2023</a:t>
             </a:fld>
             <a:endParaRPr lang="fr-CH"/>
           </a:p>
@@ -2085,7 +2085,7 @@
           <a:p>
             <a:fld id="{5D3C7075-ACE4-4AC5-A698-3E16F22F5AEA}" type="datetimeFigureOut">
               <a:rPr lang="fr-CH" smtClean="0"/>
-              <a:t>08.02.2023</a:t>
+              <a:t>18.04.2023</a:t>
             </a:fld>
             <a:endParaRPr lang="fr-CH"/>
           </a:p>
@@ -2398,7 +2398,7 @@
           <a:p>
             <a:fld id="{5D3C7075-ACE4-4AC5-A698-3E16F22F5AEA}" type="datetimeFigureOut">
               <a:rPr lang="fr-CH" smtClean="0"/>
-              <a:t>08.02.2023</a:t>
+              <a:t>18.04.2023</a:t>
             </a:fld>
             <a:endParaRPr lang="fr-CH"/>
           </a:p>
@@ -2687,7 +2687,7 @@
           <a:p>
             <a:fld id="{5D3C7075-ACE4-4AC5-A698-3E16F22F5AEA}" type="datetimeFigureOut">
               <a:rPr lang="fr-CH" smtClean="0"/>
-              <a:t>08.02.2023</a:t>
+              <a:t>18.04.2023</a:t>
             </a:fld>
             <a:endParaRPr lang="fr-CH"/>
           </a:p>
@@ -2930,7 +2930,7 @@
           <a:p>
             <a:fld id="{5D3C7075-ACE4-4AC5-A698-3E16F22F5AEA}" type="datetimeFigureOut">
               <a:rPr lang="fr-CH" smtClean="0"/>
-              <a:t>08.02.2023</a:t>
+              <a:t>18.04.2023</a:t>
             </a:fld>
             <a:endParaRPr lang="fr-CH"/>
           </a:p>
@@ -4008,7 +4008,7 @@
         <p:spPr>
           <a:xfrm>
             <a:off x="2775014" y="1415713"/>
-            <a:ext cx="1077026" cy="307777"/>
+            <a:ext cx="2843535" cy="523220"/>
           </a:xfrm>
           <a:prstGeom prst="rect">
             <a:avLst/>
@@ -4023,8 +4023,19 @@
           <a:p>
             <a:r>
               <a:rPr lang="fr-CH" sz="1400"/>
-              <a:t>ldp:contains</a:t>
-            </a:r>
+              <a:t>ldp:contains </a:t>
+            </a:r>
+            <a:r>
+              <a:rPr lang="fr-CH" sz="1400">
+                <a:solidFill>
+                  <a:schemeClr val="tx1"/>
+                </a:solidFill>
+              </a:rPr>
+              <a:t>vd:journal-communal    </a:t>
+            </a:r>
+          </a:p>
+          <a:p>
+            <a:endParaRPr lang="fr-CH" sz="1400"/>
           </a:p>
         </p:txBody>
       </p:sp>
@@ -4279,7 +4290,7 @@
         <p:spPr>
           <a:xfrm>
             <a:off x="2750995" y="3143932"/>
-            <a:ext cx="1077026" cy="307777"/>
+            <a:ext cx="2387366" cy="523220"/>
           </a:xfrm>
           <a:prstGeom prst="rect">
             <a:avLst/>
@@ -4294,8 +4305,19 @@
           <a:p>
             <a:r>
               <a:rPr lang="fr-CH" sz="1400"/>
-              <a:t>ldp:contains</a:t>
-            </a:r>
+              <a:t>ldp:contains </a:t>
+            </a:r>
+            <a:r>
+              <a:rPr lang="fr-CH" sz="1400">
+                <a:solidFill>
+                  <a:schemeClr val="tx1"/>
+                </a:solidFill>
+              </a:rPr>
+              <a:t>vd:annee-1998</a:t>
+            </a:r>
+          </a:p>
+          <a:p>
+            <a:endParaRPr lang="fr-CH" sz="1400"/>
           </a:p>
         </p:txBody>
       </p:sp>
@@ -4549,8 +4571,8 @@
         </p:nvSpPr>
         <p:spPr>
           <a:xfrm>
-            <a:off x="4061335" y="4919638"/>
-            <a:ext cx="1077026" cy="307777"/>
+            <a:off x="4061334" y="4919638"/>
+            <a:ext cx="2843535" cy="523220"/>
           </a:xfrm>
           <a:prstGeom prst="rect">
             <a:avLst/>
@@ -4565,8 +4587,19 @@
           <a:p>
             <a:r>
               <a:rPr lang="fr-CH" sz="1400"/>
-              <a:t>ldp:contains</a:t>
-            </a:r>
+              <a:t>ldp:contains </a:t>
+            </a:r>
+            <a:r>
+              <a:rPr lang="fr-CH" sz="1400">
+                <a:solidFill>
+                  <a:schemeClr val="tx1"/>
+                </a:solidFill>
+              </a:rPr>
+              <a:t>vd:journal-1998-72</a:t>
+            </a:r>
+          </a:p>
+          <a:p>
+            <a:endParaRPr lang="fr-CH" sz="1400"/>
           </a:p>
         </p:txBody>
       </p:sp>
